--- a/figures/figure-workflow/figure1-new-cycle-vertical.pptx
+++ b/figures/figure-workflow/figure1-new-cycle-vertical.pptx
@@ -222,7 +222,7 @@
           <a:p>
             <a:fld id="{6EB7A7D9-E015-6D42-BCFD-33C7B660C884}" type="datetimeFigureOut">
               <a:rPr lang="en-US" smtClean="0"/>
-              <a:t>8/9/23</a:t>
+              <a:t>8/11/23</a:t>
             </a:fld>
             <a:endParaRPr lang="en-US"/>
           </a:p>
@@ -704,7 +704,7 @@
           <a:p>
             <a:fld id="{B4970447-8C83-B347-8B06-AB59AEB01EEB}" type="datetimeFigureOut">
               <a:rPr lang="en-US" smtClean="0"/>
-              <a:t>8/9/23</a:t>
+              <a:t>8/11/23</a:t>
             </a:fld>
             <a:endParaRPr lang="en-US"/>
           </a:p>
@@ -874,7 +874,7 @@
           <a:p>
             <a:fld id="{B4970447-8C83-B347-8B06-AB59AEB01EEB}" type="datetimeFigureOut">
               <a:rPr lang="en-US" smtClean="0"/>
-              <a:t>8/9/23</a:t>
+              <a:t>8/11/23</a:t>
             </a:fld>
             <a:endParaRPr lang="en-US"/>
           </a:p>
@@ -1054,7 +1054,7 @@
           <a:p>
             <a:fld id="{B4970447-8C83-B347-8B06-AB59AEB01EEB}" type="datetimeFigureOut">
               <a:rPr lang="en-US" smtClean="0"/>
-              <a:t>8/9/23</a:t>
+              <a:t>8/11/23</a:t>
             </a:fld>
             <a:endParaRPr lang="en-US"/>
           </a:p>
@@ -1224,7 +1224,7 @@
           <a:p>
             <a:fld id="{B4970447-8C83-B347-8B06-AB59AEB01EEB}" type="datetimeFigureOut">
               <a:rPr lang="en-US" smtClean="0"/>
-              <a:t>8/9/23</a:t>
+              <a:t>8/11/23</a:t>
             </a:fld>
             <a:endParaRPr lang="en-US"/>
           </a:p>
@@ -1468,7 +1468,7 @@
           <a:p>
             <a:fld id="{B4970447-8C83-B347-8B06-AB59AEB01EEB}" type="datetimeFigureOut">
               <a:rPr lang="en-US" smtClean="0"/>
-              <a:t>8/9/23</a:t>
+              <a:t>8/11/23</a:t>
             </a:fld>
             <a:endParaRPr lang="en-US"/>
           </a:p>
@@ -1700,7 +1700,7 @@
           <a:p>
             <a:fld id="{B4970447-8C83-B347-8B06-AB59AEB01EEB}" type="datetimeFigureOut">
               <a:rPr lang="en-US" smtClean="0"/>
-              <a:t>8/9/23</a:t>
+              <a:t>8/11/23</a:t>
             </a:fld>
             <a:endParaRPr lang="en-US"/>
           </a:p>
@@ -2067,7 +2067,7 @@
           <a:p>
             <a:fld id="{B4970447-8C83-B347-8B06-AB59AEB01EEB}" type="datetimeFigureOut">
               <a:rPr lang="en-US" smtClean="0"/>
-              <a:t>8/9/23</a:t>
+              <a:t>8/11/23</a:t>
             </a:fld>
             <a:endParaRPr lang="en-US"/>
           </a:p>
@@ -2185,7 +2185,7 @@
           <a:p>
             <a:fld id="{B4970447-8C83-B347-8B06-AB59AEB01EEB}" type="datetimeFigureOut">
               <a:rPr lang="en-US" smtClean="0"/>
-              <a:t>8/9/23</a:t>
+              <a:t>8/11/23</a:t>
             </a:fld>
             <a:endParaRPr lang="en-US"/>
           </a:p>
@@ -2280,7 +2280,7 @@
           <a:p>
             <a:fld id="{B4970447-8C83-B347-8B06-AB59AEB01EEB}" type="datetimeFigureOut">
               <a:rPr lang="en-US" smtClean="0"/>
-              <a:t>8/9/23</a:t>
+              <a:t>8/11/23</a:t>
             </a:fld>
             <a:endParaRPr lang="en-US"/>
           </a:p>
@@ -2557,7 +2557,7 @@
           <a:p>
             <a:fld id="{B4970447-8C83-B347-8B06-AB59AEB01EEB}" type="datetimeFigureOut">
               <a:rPr lang="en-US" smtClean="0"/>
-              <a:t>8/9/23</a:t>
+              <a:t>8/11/23</a:t>
             </a:fld>
             <a:endParaRPr lang="en-US"/>
           </a:p>
@@ -2814,7 +2814,7 @@
           <a:p>
             <a:fld id="{B4970447-8C83-B347-8B06-AB59AEB01EEB}" type="datetimeFigureOut">
               <a:rPr lang="en-US" smtClean="0"/>
-              <a:t>8/9/23</a:t>
+              <a:t>8/11/23</a:t>
             </a:fld>
             <a:endParaRPr lang="en-US"/>
           </a:p>
@@ -3027,7 +3027,7 @@
           <a:p>
             <a:fld id="{B4970447-8C83-B347-8B06-AB59AEB01EEB}" type="datetimeFigureOut">
               <a:rPr lang="en-US" smtClean="0"/>
-              <a:t>8/9/23</a:t>
+              <a:t>8/11/23</a:t>
             </a:fld>
             <a:endParaRPr lang="en-US"/>
           </a:p>
@@ -3455,7 +3455,7 @@
         </p:blipFill>
         <p:spPr>
           <a:xfrm>
-            <a:off x="36228" y="3969745"/>
+            <a:off x="36228" y="3990293"/>
             <a:ext cx="3150143" cy="2777780"/>
           </a:xfrm>
           <a:prstGeom prst="roundRect">
@@ -3487,7 +3487,7 @@
         </p:blipFill>
         <p:spPr>
           <a:xfrm>
-            <a:off x="36230" y="1714953"/>
+            <a:off x="36230" y="1735501"/>
             <a:ext cx="3142105" cy="4850234"/>
           </a:xfrm>
           <a:prstGeom prst="rect">
@@ -3514,7 +3514,7 @@
         </p:nvGrpSpPr>
         <p:grpSpPr>
           <a:xfrm>
-            <a:off x="4054140" y="598288"/>
+            <a:off x="3283579" y="495547"/>
             <a:ext cx="495297" cy="487448"/>
             <a:chOff x="10386505" y="7974231"/>
             <a:chExt cx="1706127" cy="1679086"/>
@@ -3645,7 +3645,7 @@
         </p:nvGrpSpPr>
         <p:grpSpPr>
           <a:xfrm>
-            <a:off x="4217564" y="58776"/>
+            <a:off x="4155920" y="38228"/>
             <a:ext cx="614272" cy="443110"/>
             <a:chOff x="4285124" y="1044781"/>
             <a:chExt cx="468677" cy="338084"/>
@@ -3772,8 +3772,8 @@
         </p:nvGrpSpPr>
         <p:grpSpPr>
           <a:xfrm>
-            <a:off x="3162571" y="4838613"/>
-            <a:ext cx="3818868" cy="1946766"/>
+            <a:off x="3100927" y="4777707"/>
+            <a:ext cx="3857728" cy="1966576"/>
             <a:chOff x="3992090" y="5670496"/>
             <a:chExt cx="3291840" cy="1678100"/>
           </a:xfrm>
@@ -3972,7 +3972,7 @@
         </p:nvGrpSpPr>
         <p:grpSpPr>
           <a:xfrm>
-            <a:off x="3113975" y="1043587"/>
+            <a:off x="3175619" y="1084683"/>
             <a:ext cx="1163318" cy="363571"/>
             <a:chOff x="3939008" y="1202261"/>
             <a:chExt cx="682002" cy="209008"/>
@@ -4100,7 +4100,7 @@
         </p:nvGrpSpPr>
         <p:grpSpPr>
           <a:xfrm>
-            <a:off x="3290213" y="566797"/>
+            <a:off x="3956496" y="596735"/>
             <a:ext cx="641593" cy="361894"/>
             <a:chOff x="5112258" y="655789"/>
             <a:chExt cx="596323" cy="336359"/>
@@ -4203,7 +4203,7 @@
         </p:nvGrpSpPr>
         <p:grpSpPr>
           <a:xfrm>
-            <a:off x="3274313" y="120289"/>
+            <a:off x="3230891" y="38776"/>
             <a:ext cx="1054892" cy="338554"/>
             <a:chOff x="3858522" y="1175349"/>
             <a:chExt cx="648928" cy="221461"/>
@@ -4382,7 +4382,7 @@
         </p:nvSpPr>
         <p:spPr>
           <a:xfrm>
-            <a:off x="28190" y="1706022"/>
+            <a:off x="28190" y="1726570"/>
             <a:ext cx="3150146" cy="5047867"/>
           </a:xfrm>
           <a:prstGeom prst="rect">
@@ -4486,8 +4486,8 @@
         </p:nvSpPr>
         <p:spPr>
           <a:xfrm>
-            <a:off x="3516116" y="4793930"/>
-            <a:ext cx="3319797" cy="2029034"/>
+            <a:off x="3451886" y="4778524"/>
+            <a:ext cx="3384028" cy="2013617"/>
           </a:xfrm>
           <a:prstGeom prst="roundRect">
             <a:avLst/>
@@ -4588,7 +4588,7 @@
         <p:spPr>
           <a:xfrm flipV="1">
             <a:off x="3178336" y="2629893"/>
-            <a:ext cx="890878" cy="1600063"/>
+            <a:ext cx="890878" cy="1620611"/>
           </a:xfrm>
           <a:prstGeom prst="bentConnector3">
             <a:avLst>
@@ -5060,7 +5060,7 @@
         </p:nvGrpSpPr>
         <p:grpSpPr>
           <a:xfrm>
-            <a:off x="174823" y="5179578"/>
+            <a:off x="174823" y="5200126"/>
             <a:ext cx="1618259" cy="1284516"/>
             <a:chOff x="349831" y="5774256"/>
             <a:chExt cx="2128684" cy="1689674"/>
@@ -5089,6 +5089,9 @@
             <a:solidFill>
               <a:srgbClr val="FFFFFF"/>
             </a:solidFill>
+            <a:ln>
+              <a:noFill/>
+            </a:ln>
             <a:effectLst>
               <a:glow rad="127000">
                 <a:schemeClr val="bg1">
@@ -5177,7 +5180,7 @@
         </p:nvGrpSpPr>
         <p:grpSpPr>
           <a:xfrm>
-            <a:off x="1293992" y="3436066"/>
+            <a:off x="1293992" y="3456614"/>
             <a:ext cx="1632479" cy="1276829"/>
             <a:chOff x="2410265" y="2667117"/>
             <a:chExt cx="1002640" cy="784206"/>
@@ -5218,6 +5221,9 @@
             <a:solidFill>
               <a:srgbClr val="FFFFFF"/>
             </a:solidFill>
+            <a:ln>
+              <a:noFill/>
+            </a:ln>
           </p:spPr>
           <p:style>
             <a:lnRef idx="2">
@@ -5294,7 +5300,7 @@
         </p:nvGrpSpPr>
         <p:grpSpPr>
           <a:xfrm>
-            <a:off x="174823" y="2047239"/>
+            <a:off x="174823" y="2067787"/>
             <a:ext cx="1632478" cy="1107039"/>
             <a:chOff x="1338768" y="3030316"/>
             <a:chExt cx="997820" cy="676656"/>
@@ -5335,6 +5341,9 @@
             <a:solidFill>
               <a:srgbClr val="FFFFFF"/>
             </a:solidFill>
+            <a:ln>
+              <a:noFill/>
+            </a:ln>
           </p:spPr>
           <p:style>
             <a:lnRef idx="2">
@@ -5408,17 +5417,18 @@
           </p:cNvPr>
           <p:cNvCxnSpPr>
             <a:cxnSpLocks/>
+            <a:endCxn id="32" idx="1"/>
           </p:cNvCxnSpPr>
           <p:nvPr/>
         </p:nvCxnSpPr>
         <p:spPr>
           <a:xfrm flipV="1">
-            <a:off x="2450725" y="1182959"/>
-            <a:ext cx="712156" cy="521720"/>
+            <a:off x="2450725" y="1253960"/>
+            <a:ext cx="724894" cy="450719"/>
           </a:xfrm>
           <a:prstGeom prst="bentConnector3">
             <a:avLst>
-              <a:gd name="adj1" fmla="val 2391"/>
+              <a:gd name="adj1" fmla="val -1024"/>
             </a:avLst>
           </a:prstGeom>
           <a:ln w="19050">
@@ -5459,8 +5469,8 @@
         </p:nvCxnSpPr>
         <p:spPr>
           <a:xfrm flipH="1" flipV="1">
-            <a:off x="319319" y="3245986"/>
-            <a:ext cx="469283" cy="191517"/>
+            <a:off x="288138" y="3228500"/>
+            <a:ext cx="539882" cy="308054"/>
           </a:xfrm>
           <a:prstGeom prst="line">
             <a:avLst/>
@@ -5498,8 +5508,8 @@
         </p:nvCxnSpPr>
         <p:spPr>
           <a:xfrm flipV="1">
-            <a:off x="788602" y="3238974"/>
-            <a:ext cx="902047" cy="198529"/>
+            <a:off x="822041" y="3232624"/>
+            <a:ext cx="878882" cy="305254"/>
           </a:xfrm>
           <a:prstGeom prst="line">
             <a:avLst/>
@@ -5537,8 +5547,8 @@
         </p:nvCxnSpPr>
         <p:spPr>
           <a:xfrm flipH="1">
-            <a:off x="1000295" y="3564334"/>
-            <a:ext cx="263591" cy="563328"/>
+            <a:off x="977667" y="3602545"/>
+            <a:ext cx="263591" cy="585280"/>
           </a:xfrm>
           <a:prstGeom prst="line">
             <a:avLst/>
@@ -5576,8 +5586,8 @@
         </p:nvCxnSpPr>
         <p:spPr>
           <a:xfrm flipH="1" flipV="1">
-            <a:off x="1000295" y="4128857"/>
-            <a:ext cx="263591" cy="520502"/>
+            <a:off x="976705" y="4187825"/>
+            <a:ext cx="287181" cy="482082"/>
           </a:xfrm>
           <a:prstGeom prst="line">
             <a:avLst/>
@@ -5615,8 +5625,8 @@
         </p:nvCxnSpPr>
         <p:spPr>
           <a:xfrm flipH="1" flipV="1">
-            <a:off x="1871548" y="5321396"/>
-            <a:ext cx="277442" cy="1008629"/>
+            <a:off x="1848796" y="5379183"/>
+            <a:ext cx="343170" cy="989227"/>
           </a:xfrm>
           <a:prstGeom prst="line">
             <a:avLst/>
@@ -5654,8 +5664,8 @@
         </p:nvCxnSpPr>
         <p:spPr>
           <a:xfrm flipH="1">
-            <a:off x="1798662" y="6340299"/>
-            <a:ext cx="350328" cy="113521"/>
+            <a:off x="1789202" y="6368787"/>
+            <a:ext cx="402764" cy="85769"/>
           </a:xfrm>
           <a:prstGeom prst="line">
             <a:avLst/>
@@ -5761,7 +5771,7 @@
         </p:nvSpPr>
         <p:spPr>
           <a:xfrm>
-            <a:off x="-8738" y="1707279"/>
+            <a:off x="-8738" y="1727827"/>
             <a:ext cx="296876" cy="276999"/>
           </a:xfrm>
           <a:prstGeom prst="rect">
@@ -5901,7 +5911,7 @@
         </p:nvSpPr>
         <p:spPr>
           <a:xfrm>
-            <a:off x="3575244" y="4870217"/>
+            <a:off x="3503326" y="4839395"/>
             <a:ext cx="303288" cy="276999"/>
           </a:xfrm>
           <a:prstGeom prst="rect">
@@ -5936,7 +5946,7 @@
         </p:nvSpPr>
         <p:spPr>
           <a:xfrm>
-            <a:off x="822041" y="4026551"/>
+            <a:off x="822041" y="4047099"/>
             <a:ext cx="300082" cy="369332"/>
           </a:xfrm>
           <a:prstGeom prst="rect">
@@ -5971,7 +5981,7 @@
         </p:nvSpPr>
         <p:spPr>
           <a:xfrm>
-            <a:off x="656075" y="3367642"/>
+            <a:off x="682973" y="3398464"/>
             <a:ext cx="300082" cy="369332"/>
           </a:xfrm>
           <a:prstGeom prst="rect">
@@ -6006,7 +6016,7 @@
         </p:nvSpPr>
         <p:spPr>
           <a:xfrm>
-            <a:off x="2031706" y="6226677"/>
+            <a:off x="2041980" y="6226677"/>
             <a:ext cx="300082" cy="369332"/>
           </a:xfrm>
           <a:prstGeom prst="rect">
